--- a/Daily Agendas/Day5.1_BitcoinMining.pptx
+++ b/Daily Agendas/Day5.1_BitcoinMining.pptx
@@ -7,6 +7,7 @@
   <p:sldIdLst>
     <p:sldId id="256" r:id="rId2"/>
     <p:sldId id="265" r:id="rId3"/>
+    <p:sldId id="266" r:id="rId4"/>
   </p:sldIdLst>
   <p:sldSz cx="9144000" cy="6858000" type="screen4x3"/>
   <p:notesSz cx="6858000" cy="9144000"/>
@@ -107,7 +108,7 @@
   </p:defaultTextStyle>
   <p:extLst>
     <p:ext uri="{EFAFB233-063F-42B5-8137-9DF3F51BA10A}">
-      <p15:sldGuideLst xmlns:p15="http://schemas.microsoft.com/office/powerpoint/2012/main" xmlns="">
+      <p15:sldGuideLst xmlns:p15="http://schemas.microsoft.com/office/powerpoint/2012/main">
         <p15:guide id="1" orient="horz" pos="2160">
           <p15:clr>
             <a:srgbClr val="A4A3A4"/>
@@ -304,7 +305,7 @@
             <a:fld id="{1D8BD707-D9CF-40AE-B4C6-C98DA3205C09}" type="datetimeFigureOut">
               <a:rPr lang="en-US" smtClean="0"/>
               <a:pPr/>
-              <a:t>9/30/2018</a:t>
+              <a:t>10/1/2018</a:t>
             </a:fld>
             <a:endParaRPr lang="en-US"/>
           </a:p>
@@ -469,7 +470,7 @@
             <a:fld id="{1D8BD707-D9CF-40AE-B4C6-C98DA3205C09}" type="datetimeFigureOut">
               <a:rPr lang="en-US" smtClean="0"/>
               <a:pPr/>
-              <a:t>9/30/2018</a:t>
+              <a:t>10/1/2018</a:t>
             </a:fld>
             <a:endParaRPr lang="en-US"/>
           </a:p>
@@ -644,7 +645,7 @@
             <a:fld id="{1D8BD707-D9CF-40AE-B4C6-C98DA3205C09}" type="datetimeFigureOut">
               <a:rPr lang="en-US" smtClean="0"/>
               <a:pPr/>
-              <a:t>9/30/2018</a:t>
+              <a:t>10/1/2018</a:t>
             </a:fld>
             <a:endParaRPr lang="en-US"/>
           </a:p>
@@ -809,7 +810,7 @@
             <a:fld id="{1D8BD707-D9CF-40AE-B4C6-C98DA3205C09}" type="datetimeFigureOut">
               <a:rPr lang="en-US" smtClean="0"/>
               <a:pPr/>
-              <a:t>9/30/2018</a:t>
+              <a:t>10/1/2018</a:t>
             </a:fld>
             <a:endParaRPr lang="en-US"/>
           </a:p>
@@ -1051,7 +1052,7 @@
             <a:fld id="{1D8BD707-D9CF-40AE-B4C6-C98DA3205C09}" type="datetimeFigureOut">
               <a:rPr lang="en-US" smtClean="0"/>
               <a:pPr/>
-              <a:t>9/30/2018</a:t>
+              <a:t>10/1/2018</a:t>
             </a:fld>
             <a:endParaRPr lang="en-US"/>
           </a:p>
@@ -1333,7 +1334,7 @@
             <a:fld id="{1D8BD707-D9CF-40AE-B4C6-C98DA3205C09}" type="datetimeFigureOut">
               <a:rPr lang="en-US" smtClean="0"/>
               <a:pPr/>
-              <a:t>9/30/2018</a:t>
+              <a:t>10/1/2018</a:t>
             </a:fld>
             <a:endParaRPr lang="en-US"/>
           </a:p>
@@ -1749,7 +1750,7 @@
             <a:fld id="{1D8BD707-D9CF-40AE-B4C6-C98DA3205C09}" type="datetimeFigureOut">
               <a:rPr lang="en-US" smtClean="0"/>
               <a:pPr/>
-              <a:t>9/30/2018</a:t>
+              <a:t>10/1/2018</a:t>
             </a:fld>
             <a:endParaRPr lang="en-US"/>
           </a:p>
@@ -1863,7 +1864,7 @@
             <a:fld id="{1D8BD707-D9CF-40AE-B4C6-C98DA3205C09}" type="datetimeFigureOut">
               <a:rPr lang="en-US" smtClean="0"/>
               <a:pPr/>
-              <a:t>9/30/2018</a:t>
+              <a:t>10/1/2018</a:t>
             </a:fld>
             <a:endParaRPr lang="en-US"/>
           </a:p>
@@ -1955,7 +1956,7 @@
             <a:fld id="{1D8BD707-D9CF-40AE-B4C6-C98DA3205C09}" type="datetimeFigureOut">
               <a:rPr lang="en-US" smtClean="0"/>
               <a:pPr/>
-              <a:t>9/30/2018</a:t>
+              <a:t>10/1/2018</a:t>
             </a:fld>
             <a:endParaRPr lang="en-US"/>
           </a:p>
@@ -2227,7 +2228,7 @@
             <a:fld id="{1D8BD707-D9CF-40AE-B4C6-C98DA3205C09}" type="datetimeFigureOut">
               <a:rPr lang="en-US" smtClean="0"/>
               <a:pPr/>
-              <a:t>9/30/2018</a:t>
+              <a:t>10/1/2018</a:t>
             </a:fld>
             <a:endParaRPr lang="en-US"/>
           </a:p>
@@ -2476,7 +2477,7 @@
             <a:fld id="{1D8BD707-D9CF-40AE-B4C6-C98DA3205C09}" type="datetimeFigureOut">
               <a:rPr lang="en-US" smtClean="0"/>
               <a:pPr/>
-              <a:t>9/30/2018</a:t>
+              <a:t>10/1/2018</a:t>
             </a:fld>
             <a:endParaRPr lang="en-US"/>
           </a:p>
@@ -2684,7 +2685,7 @@
             <a:fld id="{1D8BD707-D9CF-40AE-B4C6-C98DA3205C09}" type="datetimeFigureOut">
               <a:rPr lang="en-US" smtClean="0"/>
               <a:pPr/>
-              <a:t>9/30/2018</a:t>
+              <a:t>10/1/2018</a:t>
             </a:fld>
             <a:endParaRPr lang="en-US"/>
           </a:p>
@@ -3084,10 +3085,6 @@
               <a:rPr lang="en-US" dirty="0" smtClean="0"/>
               <a:t> Mining – Oct 01</a:t>
             </a:r>
-            <a:r>
-              <a:rPr lang="en-US" dirty="0" smtClean="0"/>
-              <a:t/>
-            </a:r>
             <a:br>
               <a:rPr lang="en-US" dirty="0" smtClean="0"/>
             </a:br>
@@ -3282,10 +3279,6 @@
               <a:rPr lang="en-US" dirty="0" smtClean="0"/>
               <a:t> Mining – Oct 01</a:t>
             </a:r>
-            <a:r>
-              <a:rPr lang="en-US" dirty="0" smtClean="0"/>
-              <a:t/>
-            </a:r>
             <a:br>
               <a:rPr lang="en-US" dirty="0" smtClean="0"/>
             </a:br>
@@ -3356,22 +3349,14 @@
             <a:pPr lvl="1"/>
             <a:r>
               <a:rPr lang="en-CA" dirty="0" smtClean="0"/>
-              <a:t>Mod </a:t>
-            </a:r>
+              <a:t>Mod B.3 SWT Math Project</a:t>
+            </a:r>
+          </a:p>
+          <a:p>
+            <a:pPr lvl="2"/>
             <a:r>
               <a:rPr lang="en-CA" dirty="0" smtClean="0"/>
-              <a:t>B.3 SWT Math Project</a:t>
-            </a:r>
-          </a:p>
-          <a:p>
-            <a:pPr lvl="2"/>
-            <a:r>
-              <a:rPr lang="en-CA" dirty="0" smtClean="0"/>
-              <a:t>Complete </a:t>
-            </a:r>
-            <a:r>
-              <a:rPr lang="en-CA" dirty="0" smtClean="0"/>
-              <a:t>Questions (See Module B.3)</a:t>
+              <a:t>Complete Questions (See Module B.3)</a:t>
             </a:r>
           </a:p>
           <a:p>
@@ -3406,7 +3391,7 @@
     </p:spTree>
     <p:extLst>
       <p:ext uri="{BB962C8B-B14F-4D97-AF65-F5344CB8AC3E}">
-        <p14:creationId xmlns:p14="http://schemas.microsoft.com/office/powerpoint/2010/main" xmlns="" val="732691285"/>
+        <p14:creationId xmlns:p14="http://schemas.microsoft.com/office/powerpoint/2010/main" val="732691285"/>
       </p:ext>
     </p:extLst>
   </p:cSld>
@@ -3420,6 +3405,291 @@
       </p:par>
     </p:tnLst>
   </p:timing>
+</p:sld>
+</file>
+
+<file path=ppt/slides/slide3.xml><?xml version="1.0" encoding="utf-8"?>
+<p:sld xmlns:a="http://schemas.openxmlformats.org/drawingml/2006/main" xmlns:r="http://schemas.openxmlformats.org/officeDocument/2006/relationships" xmlns:p="http://schemas.openxmlformats.org/presentationml/2006/main">
+  <p:cSld>
+    <p:spTree>
+      <p:nvGrpSpPr>
+        <p:cNvPr id="1" name=""/>
+        <p:cNvGrpSpPr/>
+        <p:nvPr/>
+      </p:nvGrpSpPr>
+      <p:grpSpPr>
+        <a:xfrm>
+          <a:off x="0" y="0"/>
+          <a:ext cx="0" cy="0"/>
+          <a:chOff x="0" y="0"/>
+          <a:chExt cx="0" cy="0"/>
+        </a:xfrm>
+      </p:grpSpPr>
+      <p:sp>
+        <p:nvSpPr>
+          <p:cNvPr id="2" name="Title 1"/>
+          <p:cNvSpPr>
+            <a:spLocks noGrp="1"/>
+          </p:cNvSpPr>
+          <p:nvPr>
+            <p:ph type="title"/>
+          </p:nvPr>
+        </p:nvSpPr>
+        <p:spPr/>
+        <p:txBody>
+          <a:bodyPr/>
+          <a:lstStyle/>
+          <a:p>
+            <a:endParaRPr lang="en-US" dirty="0"/>
+          </a:p>
+        </p:txBody>
+      </p:sp>
+      <p:sp>
+        <p:nvSpPr>
+          <p:cNvPr id="3" name="Content Placeholder 2"/>
+          <p:cNvSpPr>
+            <a:spLocks noGrp="1"/>
+          </p:cNvSpPr>
+          <p:nvPr>
+            <p:ph idx="1"/>
+          </p:nvPr>
+        </p:nvSpPr>
+        <p:spPr>
+          <a:xfrm>
+            <a:off x="457200" y="1752600"/>
+            <a:ext cx="8229600" cy="4525963"/>
+          </a:xfrm>
+        </p:spPr>
+        <p:txBody>
+          <a:bodyPr>
+            <a:normAutofit fontScale="62500" lnSpcReduction="20000"/>
+          </a:bodyPr>
+          <a:lstStyle/>
+          <a:p>
+            <a:r>
+              <a:rPr lang="en-CA" dirty="0" smtClean="0"/>
+              <a:t>What is </a:t>
+            </a:r>
+            <a:r>
+              <a:rPr lang="en-CA" dirty="0" err="1" smtClean="0"/>
+              <a:t>Bitcoin</a:t>
+            </a:r>
+            <a:r>
+              <a:rPr lang="en-CA" dirty="0" smtClean="0"/>
+              <a:t>?</a:t>
+            </a:r>
+          </a:p>
+          <a:p>
+            <a:pPr lvl="1"/>
+            <a:r>
+              <a:rPr lang="en-CA" dirty="0" smtClean="0"/>
+              <a:t>A digital currency</a:t>
+            </a:r>
+          </a:p>
+          <a:p>
+            <a:pPr lvl="1"/>
+            <a:r>
+              <a:rPr lang="en-CA" dirty="0" smtClean="0"/>
+              <a:t>Encryption / Block Chain </a:t>
+            </a:r>
+          </a:p>
+          <a:p>
+            <a:pPr lvl="1"/>
+            <a:r>
+              <a:rPr lang="en-CA" dirty="0" smtClean="0"/>
+              <a:t>Distributed Ownership / Peer to Peer Transactions</a:t>
+            </a:r>
+          </a:p>
+          <a:p>
+            <a:pPr lvl="1"/>
+            <a:endParaRPr lang="en-CA" dirty="0"/>
+          </a:p>
+          <a:p>
+            <a:r>
+              <a:rPr lang="en-CA" dirty="0" smtClean="0"/>
+              <a:t>What is </a:t>
+            </a:r>
+            <a:r>
+              <a:rPr lang="en-CA" dirty="0" err="1" smtClean="0"/>
+              <a:t>Bitcoin</a:t>
+            </a:r>
+            <a:r>
+              <a:rPr lang="en-CA" dirty="0" smtClean="0"/>
+              <a:t> worth?</a:t>
+            </a:r>
+          </a:p>
+          <a:p>
+            <a:pPr lvl="1"/>
+            <a:r>
+              <a:rPr lang="en-CA" dirty="0" smtClean="0"/>
+              <a:t>$8,400 CAD</a:t>
+            </a:r>
+          </a:p>
+          <a:p>
+            <a:pPr lvl="1"/>
+            <a:endParaRPr lang="en-CA" dirty="0" smtClean="0"/>
+          </a:p>
+          <a:p>
+            <a:r>
+              <a:rPr lang="en-CA" dirty="0" smtClean="0"/>
+              <a:t>How do you get </a:t>
+            </a:r>
+            <a:r>
+              <a:rPr lang="en-CA" dirty="0" err="1" smtClean="0"/>
+              <a:t>Bitcoin</a:t>
+            </a:r>
+            <a:r>
+              <a:rPr lang="en-CA" dirty="0" smtClean="0"/>
+              <a:t>?</a:t>
+            </a:r>
+          </a:p>
+          <a:p>
+            <a:pPr lvl="1"/>
+            <a:r>
+              <a:rPr lang="en-CA" dirty="0" smtClean="0"/>
+              <a:t>Mining</a:t>
+            </a:r>
+          </a:p>
+          <a:p>
+            <a:pPr lvl="1"/>
+            <a:r>
+              <a:rPr lang="en-CA" dirty="0" smtClean="0"/>
+              <a:t>E-Commerce</a:t>
+            </a:r>
+          </a:p>
+          <a:p>
+            <a:pPr lvl="1"/>
+            <a:endParaRPr lang="en-CA" dirty="0"/>
+          </a:p>
+          <a:p>
+            <a:r>
+              <a:rPr lang="en-CA" dirty="0" smtClean="0"/>
+              <a:t>Why </a:t>
+            </a:r>
+            <a:r>
+              <a:rPr lang="en-CA" dirty="0" err="1" smtClean="0"/>
+              <a:t>Bitcoin</a:t>
+            </a:r>
+            <a:r>
+              <a:rPr lang="en-CA" dirty="0" smtClean="0"/>
+              <a:t>?</a:t>
+            </a:r>
+          </a:p>
+          <a:p>
+            <a:pPr lvl="1"/>
+            <a:r>
+              <a:rPr lang="en-CA" dirty="0" smtClean="0"/>
+              <a:t>Security / Speed / Universality</a:t>
+            </a:r>
+          </a:p>
+          <a:p>
+            <a:pPr lvl="1"/>
+            <a:r>
+              <a:rPr lang="en-CA" dirty="0" smtClean="0"/>
+              <a:t>Privacy / </a:t>
+            </a:r>
+            <a:r>
+              <a:rPr lang="en-CA" dirty="0"/>
+              <a:t>Not Controlled by a single Country or Company</a:t>
+            </a:r>
+          </a:p>
+          <a:p>
+            <a:endParaRPr lang="en-US" dirty="0"/>
+          </a:p>
+        </p:txBody>
+      </p:sp>
+      <p:pic>
+        <p:nvPicPr>
+          <p:cNvPr id="1028" name="Picture 4" descr="Image result for bitcoin"/>
+          <p:cNvPicPr>
+            <a:picLocks noChangeAspect="1" noChangeArrowheads="1"/>
+          </p:cNvPicPr>
+          <p:nvPr/>
+        </p:nvPicPr>
+        <p:blipFill>
+          <a:blip r:embed="rId2" cstate="print">
+            <a:extLst>
+              <a:ext uri="{28A0092B-C50C-407E-A947-70E740481C1C}">
+                <a14:useLocalDpi xmlns:a14="http://schemas.microsoft.com/office/drawing/2010/main" val="0"/>
+              </a:ext>
+            </a:extLst>
+          </a:blip>
+          <a:srcRect/>
+          <a:stretch>
+            <a:fillRect/>
+          </a:stretch>
+        </p:blipFill>
+        <p:spPr bwMode="auto">
+          <a:xfrm>
+            <a:off x="2286000" y="272785"/>
+            <a:ext cx="3810000" cy="1312334"/>
+          </a:xfrm>
+          <a:prstGeom prst="rect">
+            <a:avLst/>
+          </a:prstGeom>
+          <a:noFill/>
+          <a:extLst>
+            <a:ext uri="{909E8E84-426E-40DD-AFC4-6F175D3DCCD1}">
+              <a14:hiddenFill xmlns:a14="http://schemas.microsoft.com/office/drawing/2010/main">
+                <a:solidFill>
+                  <a:srgbClr val="FFFFFF"/>
+                </a:solidFill>
+              </a14:hiddenFill>
+            </a:ext>
+          </a:extLst>
+        </p:spPr>
+      </p:pic>
+      <p:pic>
+        <p:nvPicPr>
+          <p:cNvPr id="1030" name="Picture 6" descr="Image result for bitcoin"/>
+          <p:cNvPicPr>
+            <a:picLocks noChangeAspect="1" noChangeArrowheads="1"/>
+          </p:cNvPicPr>
+          <p:nvPr/>
+        </p:nvPicPr>
+        <p:blipFill>
+          <a:blip r:embed="rId3" cstate="print">
+            <a:extLst>
+              <a:ext uri="{28A0092B-C50C-407E-A947-70E740481C1C}">
+                <a14:useLocalDpi xmlns:a14="http://schemas.microsoft.com/office/drawing/2010/main" val="0"/>
+              </a:ext>
+            </a:extLst>
+          </a:blip>
+          <a:srcRect/>
+          <a:stretch>
+            <a:fillRect/>
+          </a:stretch>
+        </p:blipFill>
+        <p:spPr bwMode="auto">
+          <a:xfrm rot="550892">
+            <a:off x="5486400" y="3657600"/>
+            <a:ext cx="2514600" cy="1383030"/>
+          </a:xfrm>
+          <a:prstGeom prst="rect">
+            <a:avLst/>
+          </a:prstGeom>
+          <a:noFill/>
+          <a:extLst>
+            <a:ext uri="{909E8E84-426E-40DD-AFC4-6F175D3DCCD1}">
+              <a14:hiddenFill xmlns:a14="http://schemas.microsoft.com/office/drawing/2010/main">
+                <a:solidFill>
+                  <a:srgbClr val="FFFFFF"/>
+                </a:solidFill>
+              </a14:hiddenFill>
+            </a:ext>
+          </a:extLst>
+        </p:spPr>
+      </p:pic>
+    </p:spTree>
+    <p:extLst>
+      <p:ext uri="{BB962C8B-B14F-4D97-AF65-F5344CB8AC3E}">
+        <p14:creationId xmlns:p14="http://schemas.microsoft.com/office/powerpoint/2010/main" val="2957454132"/>
+      </p:ext>
+    </p:extLst>
+  </p:cSld>
+  <p:clrMapOvr>
+    <a:masterClrMapping/>
+  </p:clrMapOvr>
 </p:sld>
 </file>
 
